--- a/paper/data/gnuplot/Architecture.pptx
+++ b/paper/data/gnuplot/Architecture.pptx
@@ -104,6 +104,11 @@
       </a:defRPr>
     </a:lvl9pPr>
   </p:defaultTextStyle>
+  <p:extLst>
+    <p:ext uri="{EFAFB233-063F-42B5-8137-9DF3F51BA10A}">
+      <p15:sldGuideLst xmlns:p15="http://schemas.microsoft.com/office/powerpoint/2012/main"/>
+    </p:ext>
+  </p:extLst>
 </p:presentation>
 </file>
 
@@ -238,7 +243,7 @@
           <a:p>
             <a:fld id="{E2317710-0222-4FE3-BCDC-CFF31D561776}" type="datetimeFigureOut">
               <a:rPr lang="en-US" smtClean="0"/>
-              <a:t>1/24/2016</a:t>
+              <a:t>3/5/2016</a:t>
             </a:fld>
             <a:endParaRPr lang="en-US"/>
           </a:p>
@@ -408,7 +413,7 @@
           <a:p>
             <a:fld id="{E2317710-0222-4FE3-BCDC-CFF31D561776}" type="datetimeFigureOut">
               <a:rPr lang="en-US" smtClean="0"/>
-              <a:t>1/24/2016</a:t>
+              <a:t>3/5/2016</a:t>
             </a:fld>
             <a:endParaRPr lang="en-US"/>
           </a:p>
@@ -588,7 +593,7 @@
           <a:p>
             <a:fld id="{E2317710-0222-4FE3-BCDC-CFF31D561776}" type="datetimeFigureOut">
               <a:rPr lang="en-US" smtClean="0"/>
-              <a:t>1/24/2016</a:t>
+              <a:t>3/5/2016</a:t>
             </a:fld>
             <a:endParaRPr lang="en-US"/>
           </a:p>
@@ -758,7 +763,7 @@
           <a:p>
             <a:fld id="{E2317710-0222-4FE3-BCDC-CFF31D561776}" type="datetimeFigureOut">
               <a:rPr lang="en-US" smtClean="0"/>
-              <a:t>1/24/2016</a:t>
+              <a:t>3/5/2016</a:t>
             </a:fld>
             <a:endParaRPr lang="en-US"/>
           </a:p>
@@ -1004,7 +1009,7 @@
           <a:p>
             <a:fld id="{E2317710-0222-4FE3-BCDC-CFF31D561776}" type="datetimeFigureOut">
               <a:rPr lang="en-US" smtClean="0"/>
-              <a:t>1/24/2016</a:t>
+              <a:t>3/5/2016</a:t>
             </a:fld>
             <a:endParaRPr lang="en-US"/>
           </a:p>
@@ -1236,7 +1241,7 @@
           <a:p>
             <a:fld id="{E2317710-0222-4FE3-BCDC-CFF31D561776}" type="datetimeFigureOut">
               <a:rPr lang="en-US" smtClean="0"/>
-              <a:t>1/24/2016</a:t>
+              <a:t>3/5/2016</a:t>
             </a:fld>
             <a:endParaRPr lang="en-US"/>
           </a:p>
@@ -1603,7 +1608,7 @@
           <a:p>
             <a:fld id="{E2317710-0222-4FE3-BCDC-CFF31D561776}" type="datetimeFigureOut">
               <a:rPr lang="en-US" smtClean="0"/>
-              <a:t>1/24/2016</a:t>
+              <a:t>3/5/2016</a:t>
             </a:fld>
             <a:endParaRPr lang="en-US"/>
           </a:p>
@@ -1721,7 +1726,7 @@
           <a:p>
             <a:fld id="{E2317710-0222-4FE3-BCDC-CFF31D561776}" type="datetimeFigureOut">
               <a:rPr lang="en-US" smtClean="0"/>
-              <a:t>1/24/2016</a:t>
+              <a:t>3/5/2016</a:t>
             </a:fld>
             <a:endParaRPr lang="en-US"/>
           </a:p>
@@ -1816,7 +1821,7 @@
           <a:p>
             <a:fld id="{E2317710-0222-4FE3-BCDC-CFF31D561776}" type="datetimeFigureOut">
               <a:rPr lang="en-US" smtClean="0"/>
-              <a:t>1/24/2016</a:t>
+              <a:t>3/5/2016</a:t>
             </a:fld>
             <a:endParaRPr lang="en-US"/>
           </a:p>
@@ -2093,7 +2098,7 @@
           <a:p>
             <a:fld id="{E2317710-0222-4FE3-BCDC-CFF31D561776}" type="datetimeFigureOut">
               <a:rPr lang="en-US" smtClean="0"/>
-              <a:t>1/24/2016</a:t>
+              <a:t>3/5/2016</a:t>
             </a:fld>
             <a:endParaRPr lang="en-US"/>
           </a:p>
@@ -2346,7 +2351,7 @@
           <a:p>
             <a:fld id="{E2317710-0222-4FE3-BCDC-CFF31D561776}" type="datetimeFigureOut">
               <a:rPr lang="en-US" smtClean="0"/>
-              <a:t>1/24/2016</a:t>
+              <a:t>3/5/2016</a:t>
             </a:fld>
             <a:endParaRPr lang="en-US"/>
           </a:p>
@@ -2559,7 +2564,7 @@
           <a:p>
             <a:fld id="{E2317710-0222-4FE3-BCDC-CFF31D561776}" type="datetimeFigureOut">
               <a:rPr lang="en-US" smtClean="0"/>
-              <a:t>1/24/2016</a:t>
+              <a:t>3/5/2016</a:t>
             </a:fld>
             <a:endParaRPr lang="en-US"/>
           </a:p>
@@ -3120,7 +3125,7 @@
         <p:spPr>
           <a:xfrm>
             <a:off x="4249755" y="162140"/>
-            <a:ext cx="2115240" cy="491581"/>
+            <a:ext cx="2115240" cy="369332"/>
           </a:xfrm>
           <a:prstGeom prst="rect">
             <a:avLst/>
@@ -3135,7 +3140,11 @@
           <a:p>
             <a:r>
               <a:rPr lang="en-US" b="1" dirty="0" smtClean="0"/>
-              <a:t>Execution Handler</a:t>
+              <a:t>Execution </a:t>
+            </a:r>
+            <a:r>
+              <a:rPr lang="en-US" b="1" dirty="0" smtClean="0"/>
+              <a:t>Manager</a:t>
             </a:r>
             <a:endParaRPr lang="en-US" b="1" dirty="0"/>
           </a:p>
@@ -3720,8 +3729,8 @@
         </p:nvSpPr>
         <p:spPr>
           <a:xfrm>
-            <a:off x="2930485" y="3582347"/>
-            <a:ext cx="2280494" cy="1349871"/>
+            <a:off x="2930484" y="3582347"/>
+            <a:ext cx="4753779" cy="1349871"/>
           </a:xfrm>
           <a:prstGeom prst="rect">
             <a:avLst/>
@@ -3759,7 +3768,15 @@
                   <a:schemeClr val="bg1"/>
                 </a:solidFill>
               </a:rPr>
-              <a:t>Client Socket Handler</a:t>
+              <a:t>Socket </a:t>
+            </a:r>
+            <a:r>
+              <a:rPr lang="en-US" dirty="0" smtClean="0">
+                <a:solidFill>
+                  <a:schemeClr val="bg1"/>
+                </a:solidFill>
+              </a:rPr>
+              <a:t>Handler</a:t>
             </a:r>
             <a:endParaRPr lang="en-US" dirty="0">
               <a:solidFill>
@@ -3771,63 +3788,6 @@
       </p:sp>
       <p:sp>
         <p:nvSpPr>
-          <p:cNvPr id="30" name="Rectangle 29"/>
-          <p:cNvSpPr/>
-          <p:nvPr/>
-        </p:nvSpPr>
-        <p:spPr>
-          <a:xfrm>
-            <a:off x="5403770" y="3582347"/>
-            <a:ext cx="2280494" cy="1349871"/>
-          </a:xfrm>
-          <a:prstGeom prst="rect">
-            <a:avLst/>
-          </a:prstGeom>
-          <a:solidFill>
-            <a:schemeClr val="bg1">
-              <a:lumMod val="50000"/>
-            </a:schemeClr>
-          </a:solidFill>
-        </p:spPr>
-        <p:style>
-          <a:lnRef idx="2">
-            <a:schemeClr val="accent1">
-              <a:shade val="50000"/>
-            </a:schemeClr>
-          </a:lnRef>
-          <a:fillRef idx="1">
-            <a:schemeClr val="accent1"/>
-          </a:fillRef>
-          <a:effectRef idx="0">
-            <a:schemeClr val="accent1"/>
-          </a:effectRef>
-          <a:fontRef idx="minor">
-            <a:schemeClr val="lt1"/>
-          </a:fontRef>
-        </p:style>
-        <p:txBody>
-          <a:bodyPr rtlCol="0" anchor="t" anchorCtr="0"/>
-          <a:lstStyle/>
-          <a:p>
-            <a:pPr algn="ctr"/>
-            <a:r>
-              <a:rPr lang="en-US" dirty="0" smtClean="0">
-                <a:solidFill>
-                  <a:schemeClr val="bg1"/>
-                </a:solidFill>
-              </a:rPr>
-              <a:t>Client Socket Handler</a:t>
-            </a:r>
-            <a:endParaRPr lang="en-US" dirty="0">
-              <a:solidFill>
-                <a:schemeClr val="bg1"/>
-              </a:solidFill>
-            </a:endParaRPr>
-          </a:p>
-        </p:txBody>
-      </p:sp>
-      <p:sp>
-        <p:nvSpPr>
           <p:cNvPr id="31" name="TextBox 30"/>
           <p:cNvSpPr txBox="1"/>
           <p:nvPr/>
@@ -3848,9 +3808,14 @@
           </a:bodyPr>
           <a:lstStyle/>
           <a:p>
+            <a:pPr algn="ctr"/>
             <a:r>
               <a:rPr lang="en-US" b="1" dirty="0" smtClean="0"/>
-              <a:t>Wi-Fi Network Manager</a:t>
+              <a:t>Network </a:t>
+            </a:r>
+            <a:r>
+              <a:rPr lang="en-US" b="1" dirty="0" smtClean="0"/>
+              <a:t>Manager</a:t>
             </a:r>
             <a:endParaRPr lang="en-US" b="1" dirty="0"/>
           </a:p>
@@ -4059,7 +4024,7 @@
         <p:spPr>
           <a:xfrm>
             <a:off x="3301223" y="4044136"/>
-            <a:ext cx="1509314" cy="679320"/>
+            <a:ext cx="1909756" cy="679320"/>
           </a:xfrm>
           <a:prstGeom prst="rect">
             <a:avLst/>
@@ -4109,21 +4074,21 @@
       </p:sp>
       <p:sp>
         <p:nvSpPr>
-          <p:cNvPr id="43" name="Rectangle 42"/>
+          <p:cNvPr id="44" name="Cube 43"/>
           <p:cNvSpPr/>
           <p:nvPr/>
         </p:nvSpPr>
         <p:spPr>
           <a:xfrm>
-            <a:off x="5789360" y="4044136"/>
-            <a:ext cx="1509314" cy="679320"/>
-          </a:xfrm>
-          <a:prstGeom prst="rect">
+            <a:off x="8078574" y="4044136"/>
+            <a:ext cx="1264186" cy="2396836"/>
+          </a:xfrm>
+          <a:prstGeom prst="cube">
             <a:avLst/>
           </a:prstGeom>
           <a:solidFill>
-            <a:schemeClr val="bg1">
-              <a:lumMod val="85000"/>
+            <a:schemeClr val="bg2">
+              <a:lumMod val="90000"/>
             </a:schemeClr>
           </a:solidFill>
         </p:spPr>
@@ -4154,7 +4119,18 @@
                   <a:schemeClr val="tx1"/>
                 </a:solidFill>
               </a:rPr>
-              <a:t>Data Transmit Manager</a:t>
+              <a:t>Offload</a:t>
+            </a:r>
+          </a:p>
+          <a:p>
+            <a:pPr algn="ctr"/>
+            <a:r>
+              <a:rPr lang="en-US" dirty="0" smtClean="0">
+                <a:solidFill>
+                  <a:schemeClr val="tx1"/>
+                </a:solidFill>
+              </a:rPr>
+              <a:t> Servers</a:t>
             </a:r>
             <a:endParaRPr lang="en-US" dirty="0">
               <a:solidFill>
@@ -4164,24 +4140,66 @@
           </a:p>
         </p:txBody>
       </p:sp>
-      <p:sp>
-        <p:nvSpPr>
-          <p:cNvPr id="44" name="Cube 43"/>
+      <p:cxnSp>
+        <p:nvCxnSpPr>
+          <p:cNvPr id="45" name="Elbow Connector 44"/>
+          <p:cNvCxnSpPr>
+            <a:stCxn id="44" idx="2"/>
+            <a:endCxn id="33" idx="2"/>
+          </p:cNvCxnSpPr>
+          <p:nvPr/>
+        </p:nvCxnSpPr>
+        <p:spPr>
+          <a:xfrm rot="10800000" flipV="1">
+            <a:off x="6544018" y="5400576"/>
+            <a:ext cx="1534557" cy="423709"/>
+          </a:xfrm>
+          <a:prstGeom prst="bentConnector4">
+            <a:avLst>
+              <a:gd name="adj1" fmla="val 12848"/>
+              <a:gd name="adj2" fmla="val 201402"/>
+            </a:avLst>
+          </a:prstGeom>
+          <a:ln w="38100">
+            <a:solidFill>
+              <a:schemeClr val="bg2">
+                <a:lumMod val="50000"/>
+              </a:schemeClr>
+            </a:solidFill>
+            <a:tailEnd type="triangle"/>
+          </a:ln>
+        </p:spPr>
+        <p:style>
+          <a:lnRef idx="3">
+            <a:schemeClr val="dk1"/>
+          </a:lnRef>
+          <a:fillRef idx="0">
+            <a:schemeClr val="dk1"/>
+          </a:fillRef>
+          <a:effectRef idx="2">
+            <a:schemeClr val="dk1"/>
+          </a:effectRef>
+          <a:fontRef idx="minor">
+            <a:schemeClr val="tx1"/>
+          </a:fontRef>
+        </p:style>
+      </p:cxnSp>
+      <p:sp>
+        <p:nvSpPr>
+          <p:cNvPr id="50" name="Cloud 49"/>
           <p:cNvSpPr/>
           <p:nvPr/>
         </p:nvSpPr>
         <p:spPr>
           <a:xfrm>
-            <a:off x="8078574" y="4044136"/>
-            <a:ext cx="1264186" cy="2396836"/>
-          </a:xfrm>
-          <a:prstGeom prst="cube">
+            <a:off x="1052945" y="4932218"/>
+            <a:ext cx="1665469" cy="1332808"/>
+          </a:xfrm>
+          <a:prstGeom prst="cloud">
             <a:avLst/>
           </a:prstGeom>
           <a:solidFill>
-            <a:schemeClr val="bg2">
-              <a:lumMod val="90000"/>
-            </a:schemeClr>
+            <a:schemeClr val="bg2"/>
           </a:solidFill>
         </p:spPr>
         <p:style>
@@ -4206,25 +4224,14 @@
           <a:p>
             <a:pPr algn="ctr"/>
             <a:r>
-              <a:rPr lang="en-US" dirty="0" smtClean="0">
+              <a:rPr lang="en-US" b="1" dirty="0" smtClean="0">
                 <a:solidFill>
                   <a:schemeClr val="tx1"/>
                 </a:solidFill>
               </a:rPr>
-              <a:t>Offload</a:t>
-            </a:r>
-          </a:p>
-          <a:p>
-            <a:pPr algn="ctr"/>
-            <a:r>
-              <a:rPr lang="en-US" dirty="0" smtClean="0">
-                <a:solidFill>
-                  <a:schemeClr val="tx1"/>
-                </a:solidFill>
-              </a:rPr>
-              <a:t> Servers</a:t>
-            </a:r>
-            <a:endParaRPr lang="en-US" dirty="0">
+              <a:t>Peer-to-peer Network</a:t>
+            </a:r>
+            <a:endParaRPr lang="en-US" b="1" dirty="0">
               <a:solidFill>
                 <a:schemeClr val="tx1"/>
               </a:solidFill>
@@ -4234,23 +4241,19 @@
       </p:sp>
       <p:cxnSp>
         <p:nvCxnSpPr>
-          <p:cNvPr id="45" name="Elbow Connector 44"/>
+          <p:cNvPr id="51" name="Elbow Connector 50"/>
           <p:cNvCxnSpPr>
-            <a:stCxn id="44" idx="2"/>
-            <a:endCxn id="33" idx="2"/>
+            <a:endCxn id="32" idx="2"/>
           </p:cNvCxnSpPr>
           <p:nvPr/>
         </p:nvCxnSpPr>
         <p:spPr>
-          <a:xfrm rot="10800000" flipV="1">
-            <a:off x="6544018" y="5400576"/>
-            <a:ext cx="1534557" cy="423709"/>
-          </a:xfrm>
-          <a:prstGeom prst="bentConnector4">
-            <a:avLst>
-              <a:gd name="adj1" fmla="val 12848"/>
-              <a:gd name="adj2" fmla="val 201402"/>
-            </a:avLst>
+          <a:xfrm flipV="1">
+            <a:off x="2098714" y="5832025"/>
+            <a:ext cx="1972018" cy="339808"/>
+          </a:xfrm>
+          <a:prstGeom prst="bentConnector2">
+            <a:avLst/>
           </a:prstGeom>
           <a:ln w="38100">
             <a:solidFill>
@@ -4278,20 +4281,22 @@
       </p:cxnSp>
       <p:sp>
         <p:nvSpPr>
-          <p:cNvPr id="50" name="Cloud 49"/>
+          <p:cNvPr id="34" name="Rectangle 33"/>
           <p:cNvSpPr/>
           <p:nvPr/>
         </p:nvSpPr>
         <p:spPr>
           <a:xfrm>
-            <a:off x="1052945" y="4932218"/>
-            <a:ext cx="1665469" cy="1332808"/>
-          </a:xfrm>
-          <a:prstGeom prst="cloud">
+            <a:off x="5401540" y="4033540"/>
+            <a:ext cx="1909756" cy="679320"/>
+          </a:xfrm>
+          <a:prstGeom prst="rect">
             <a:avLst/>
           </a:prstGeom>
           <a:solidFill>
-            <a:schemeClr val="bg2"/>
+            <a:schemeClr val="bg1">
+              <a:lumMod val="85000"/>
+            </a:schemeClr>
           </a:solidFill>
         </p:spPr>
         <p:style>
@@ -4316,14 +4321,14 @@
           <a:p>
             <a:pPr algn="ctr"/>
             <a:r>
-              <a:rPr lang="en-US" b="1" dirty="0" smtClean="0">
+              <a:rPr lang="en-US" dirty="0" smtClean="0">
                 <a:solidFill>
                   <a:schemeClr val="tx1"/>
                 </a:solidFill>
               </a:rPr>
-              <a:t>Peer-to-peer Network</a:t>
-            </a:r>
-            <a:endParaRPr lang="en-US" b="1" dirty="0">
+              <a:t>Data Transmit Manager</a:t>
+            </a:r>
+            <a:endParaRPr lang="en-US" dirty="0">
               <a:solidFill>
                 <a:schemeClr val="tx1"/>
               </a:solidFill>
@@ -4333,26 +4338,70 @@
       </p:sp>
       <p:cxnSp>
         <p:nvCxnSpPr>
-          <p:cNvPr id="51" name="Elbow Connector 50"/>
+          <p:cNvPr id="35" name="Straight Arrow Connector 34"/>
           <p:cNvCxnSpPr>
-            <a:endCxn id="32" idx="2"/>
+            <a:stCxn id="42" idx="2"/>
+            <a:endCxn id="32" idx="0"/>
           </p:cNvCxnSpPr>
           <p:nvPr/>
         </p:nvCxnSpPr>
         <p:spPr>
-          <a:xfrm flipV="1">
-            <a:off x="2098714" y="5832025"/>
-            <a:ext cx="1972018" cy="339808"/>
-          </a:xfrm>
-          <a:prstGeom prst="bentConnector2">
+          <a:xfrm flipH="1">
+            <a:off x="4070732" y="4723456"/>
+            <a:ext cx="185369" cy="407048"/>
+          </a:xfrm>
+          <a:prstGeom prst="straightConnector1">
             <a:avLst/>
           </a:prstGeom>
           <a:ln w="38100">
             <a:solidFill>
               <a:schemeClr val="bg2">
-                <a:lumMod val="50000"/>
+                <a:lumMod val="75000"/>
               </a:schemeClr>
             </a:solidFill>
+            <a:headEnd type="triangle"/>
+            <a:tailEnd type="triangle"/>
+          </a:ln>
+        </p:spPr>
+        <p:style>
+          <a:lnRef idx="3">
+            <a:schemeClr val="dk1"/>
+          </a:lnRef>
+          <a:fillRef idx="0">
+            <a:schemeClr val="dk1"/>
+          </a:fillRef>
+          <a:effectRef idx="2">
+            <a:schemeClr val="dk1"/>
+          </a:effectRef>
+          <a:fontRef idx="minor">
+            <a:schemeClr val="tx1"/>
+          </a:fontRef>
+        </p:style>
+      </p:cxnSp>
+      <p:cxnSp>
+        <p:nvCxnSpPr>
+          <p:cNvPr id="36" name="Straight Arrow Connector 35"/>
+          <p:cNvCxnSpPr>
+            <a:stCxn id="34" idx="2"/>
+            <a:endCxn id="33" idx="0"/>
+          </p:cNvCxnSpPr>
+          <p:nvPr/>
+        </p:nvCxnSpPr>
+        <p:spPr>
+          <a:xfrm>
+            <a:off x="6356418" y="4712860"/>
+            <a:ext cx="187599" cy="409905"/>
+          </a:xfrm>
+          <a:prstGeom prst="straightConnector1">
+            <a:avLst/>
+          </a:prstGeom>
+          <a:ln w="38100">
+            <a:solidFill>
+              <a:schemeClr val="bg2">
+                <a:lumMod val="75000"/>
+              </a:schemeClr>
+            </a:solidFill>
+            <a:headEnd type="triangle"/>
             <a:tailEnd type="triangle"/>
           </a:ln>
         </p:spPr>
